--- a/ppt 16-9/1038.耶稣与我同在.pptx
+++ b/ppt 16-9/1038.耶稣与我同在.pptx
@@ -129,7 +129,7 @@
           <p:cNvPr id="2" name="标题 1">
             <a:extLst>
               <a:ext uri="{FF2B5EF4-FFF2-40B4-BE49-F238E27FC236}">
-                <a16:creationId xmlns:a16="http://schemas.microsoft.com/office/drawing/2014/main" id="{84A19418-00EA-7B2A-DC7A-32EC2BF5C707}"/>
+                <a16:creationId xmlns:a16="http://schemas.microsoft.com/office/drawing/2014/main" id="{98D3834B-8EB9-9F57-809F-DBE57A495930}"/>
               </a:ext>
             </a:extLst>
           </p:cNvPr>
@@ -166,7 +166,7 @@
           <p:cNvPr id="3" name="副标题 2">
             <a:extLst>
               <a:ext uri="{FF2B5EF4-FFF2-40B4-BE49-F238E27FC236}">
-                <a16:creationId xmlns:a16="http://schemas.microsoft.com/office/drawing/2014/main" id="{BD5FAE4F-40E4-8B09-C438-CEBD043B5334}"/>
+                <a16:creationId xmlns:a16="http://schemas.microsoft.com/office/drawing/2014/main" id="{84AE216A-5E72-DC94-1971-B4FFC24F3573}"/>
               </a:ext>
             </a:extLst>
           </p:cNvPr>
@@ -236,7 +236,7 @@
           <p:cNvPr id="4" name="日期占位符 3">
             <a:extLst>
               <a:ext uri="{FF2B5EF4-FFF2-40B4-BE49-F238E27FC236}">
-                <a16:creationId xmlns:a16="http://schemas.microsoft.com/office/drawing/2014/main" id="{032F1CFA-5BC5-ED24-A1FD-60D9BF7F0612}"/>
+                <a16:creationId xmlns:a16="http://schemas.microsoft.com/office/drawing/2014/main" id="{E85AF11B-8961-75A6-E3B5-373D5D1DDC94}"/>
               </a:ext>
             </a:extLst>
           </p:cNvPr>
@@ -252,7 +252,7 @@
           <a:bodyPr/>
           <a:lstStyle/>
           <a:p>
-            <a:fld id="{AFEF9B38-61D2-4B28-992D-F68D5BFCE34D}" type="datetimeFigureOut">
+            <a:fld id="{1204BE87-670B-4D3D-BC9D-88D59D9D3BE2}" type="datetimeFigureOut">
               <a:rPr lang="zh-CN" altLang="en-US" smtClean="0"/>
               <a:t>2024/3/10</a:t>
             </a:fld>
@@ -265,7 +265,7 @@
           <p:cNvPr id="5" name="页脚占位符 4">
             <a:extLst>
               <a:ext uri="{FF2B5EF4-FFF2-40B4-BE49-F238E27FC236}">
-                <a16:creationId xmlns:a16="http://schemas.microsoft.com/office/drawing/2014/main" id="{E2FC6141-D8C3-8192-9E63-F58829EEFF6F}"/>
+                <a16:creationId xmlns:a16="http://schemas.microsoft.com/office/drawing/2014/main" id="{1FA9FEDF-A2EE-3E9E-8D63-7B60EF9FA8E4}"/>
               </a:ext>
             </a:extLst>
           </p:cNvPr>
@@ -290,7 +290,7 @@
           <p:cNvPr id="6" name="灯片编号占位符 5">
             <a:extLst>
               <a:ext uri="{FF2B5EF4-FFF2-40B4-BE49-F238E27FC236}">
-                <a16:creationId xmlns:a16="http://schemas.microsoft.com/office/drawing/2014/main" id="{D1BEFCE8-A999-38A9-8CD3-37FC415C6EF6}"/>
+                <a16:creationId xmlns:a16="http://schemas.microsoft.com/office/drawing/2014/main" id="{7E7E0BEB-77D3-E32E-38AA-3CB1018D3E25}"/>
               </a:ext>
             </a:extLst>
           </p:cNvPr>
@@ -306,7 +306,7 @@
           <a:bodyPr/>
           <a:lstStyle/>
           <a:p>
-            <a:fld id="{C9F9792E-D24C-42FA-AA4B-030434AC66F9}" type="slidenum">
+            <a:fld id="{10576066-D094-4540-B1E4-29E08FFD74F1}" type="slidenum">
               <a:rPr lang="zh-CN" altLang="en-US" smtClean="0"/>
               <a:t>‹#›</a:t>
             </a:fld>
@@ -317,7 +317,7 @@
     </p:spTree>
     <p:extLst>
       <p:ext uri="{BB962C8B-B14F-4D97-AF65-F5344CB8AC3E}">
-        <p14:creationId xmlns:p14="http://schemas.microsoft.com/office/powerpoint/2010/main" val="262743397"/>
+        <p14:creationId xmlns:p14="http://schemas.microsoft.com/office/powerpoint/2010/main" val="3425196671"/>
       </p:ext>
     </p:extLst>
   </p:cSld>
@@ -349,7 +349,7 @@
           <p:cNvPr id="2" name="标题 1">
             <a:extLst>
               <a:ext uri="{FF2B5EF4-FFF2-40B4-BE49-F238E27FC236}">
-                <a16:creationId xmlns:a16="http://schemas.microsoft.com/office/drawing/2014/main" id="{BBC5089C-FA19-F805-8ABC-2BDA5C7725A5}"/>
+                <a16:creationId xmlns:a16="http://schemas.microsoft.com/office/drawing/2014/main" id="{BF10B0A1-64CE-A8B9-3674-EC9D9E4B7FD4}"/>
               </a:ext>
             </a:extLst>
           </p:cNvPr>
@@ -377,7 +377,7 @@
           <p:cNvPr id="3" name="竖排文字占位符 2">
             <a:extLst>
               <a:ext uri="{FF2B5EF4-FFF2-40B4-BE49-F238E27FC236}">
-                <a16:creationId xmlns:a16="http://schemas.microsoft.com/office/drawing/2014/main" id="{E7752ADF-D903-E59C-C37C-D170696C05E7}"/>
+                <a16:creationId xmlns:a16="http://schemas.microsoft.com/office/drawing/2014/main" id="{0DD2BB1E-2216-EC29-12AF-F1DB8651A712}"/>
               </a:ext>
             </a:extLst>
           </p:cNvPr>
@@ -434,7 +434,7 @@
           <p:cNvPr id="4" name="日期占位符 3">
             <a:extLst>
               <a:ext uri="{FF2B5EF4-FFF2-40B4-BE49-F238E27FC236}">
-                <a16:creationId xmlns:a16="http://schemas.microsoft.com/office/drawing/2014/main" id="{B5F29EFD-4C67-A610-1367-9EBA762B6E78}"/>
+                <a16:creationId xmlns:a16="http://schemas.microsoft.com/office/drawing/2014/main" id="{1C6C6513-A5C8-A44B-2D44-9CD44092BD1B}"/>
               </a:ext>
             </a:extLst>
           </p:cNvPr>
@@ -450,7 +450,7 @@
           <a:bodyPr/>
           <a:lstStyle/>
           <a:p>
-            <a:fld id="{AFEF9B38-61D2-4B28-992D-F68D5BFCE34D}" type="datetimeFigureOut">
+            <a:fld id="{1204BE87-670B-4D3D-BC9D-88D59D9D3BE2}" type="datetimeFigureOut">
               <a:rPr lang="zh-CN" altLang="en-US" smtClean="0"/>
               <a:t>2024/3/10</a:t>
             </a:fld>
@@ -463,7 +463,7 @@
           <p:cNvPr id="5" name="页脚占位符 4">
             <a:extLst>
               <a:ext uri="{FF2B5EF4-FFF2-40B4-BE49-F238E27FC236}">
-                <a16:creationId xmlns:a16="http://schemas.microsoft.com/office/drawing/2014/main" id="{E916C9BC-281D-34D9-D8B9-EFF6D86C9CC9}"/>
+                <a16:creationId xmlns:a16="http://schemas.microsoft.com/office/drawing/2014/main" id="{8C97E970-777F-C77A-066B-231CAF3440DE}"/>
               </a:ext>
             </a:extLst>
           </p:cNvPr>
@@ -488,7 +488,7 @@
           <p:cNvPr id="6" name="灯片编号占位符 5">
             <a:extLst>
               <a:ext uri="{FF2B5EF4-FFF2-40B4-BE49-F238E27FC236}">
-                <a16:creationId xmlns:a16="http://schemas.microsoft.com/office/drawing/2014/main" id="{913DD083-C647-EDC6-0A88-7B6BE5510CD3}"/>
+                <a16:creationId xmlns:a16="http://schemas.microsoft.com/office/drawing/2014/main" id="{763224DF-D9F6-7184-6AA1-131F27E8E42D}"/>
               </a:ext>
             </a:extLst>
           </p:cNvPr>
@@ -504,7 +504,7 @@
           <a:bodyPr/>
           <a:lstStyle/>
           <a:p>
-            <a:fld id="{C9F9792E-D24C-42FA-AA4B-030434AC66F9}" type="slidenum">
+            <a:fld id="{10576066-D094-4540-B1E4-29E08FFD74F1}" type="slidenum">
               <a:rPr lang="zh-CN" altLang="en-US" smtClean="0"/>
               <a:t>‹#›</a:t>
             </a:fld>
@@ -515,7 +515,7 @@
     </p:spTree>
     <p:extLst>
       <p:ext uri="{BB962C8B-B14F-4D97-AF65-F5344CB8AC3E}">
-        <p14:creationId xmlns:p14="http://schemas.microsoft.com/office/powerpoint/2010/main" val="2489346870"/>
+        <p14:creationId xmlns:p14="http://schemas.microsoft.com/office/powerpoint/2010/main" val="1070659692"/>
       </p:ext>
     </p:extLst>
   </p:cSld>
@@ -547,7 +547,7 @@
           <p:cNvPr id="2" name="竖排标题 1">
             <a:extLst>
               <a:ext uri="{FF2B5EF4-FFF2-40B4-BE49-F238E27FC236}">
-                <a16:creationId xmlns:a16="http://schemas.microsoft.com/office/drawing/2014/main" id="{59AA653A-B445-C64F-EFE4-65607328D372}"/>
+                <a16:creationId xmlns:a16="http://schemas.microsoft.com/office/drawing/2014/main" id="{95B7F330-C3B0-21DD-CED5-86AB5574517F}"/>
               </a:ext>
             </a:extLst>
           </p:cNvPr>
@@ -580,7 +580,7 @@
           <p:cNvPr id="3" name="竖排文字占位符 2">
             <a:extLst>
               <a:ext uri="{FF2B5EF4-FFF2-40B4-BE49-F238E27FC236}">
-                <a16:creationId xmlns:a16="http://schemas.microsoft.com/office/drawing/2014/main" id="{0327DB76-7CAA-C5AA-F0E5-8B0BA07D8F3A}"/>
+                <a16:creationId xmlns:a16="http://schemas.microsoft.com/office/drawing/2014/main" id="{2DF57DF9-FB8E-9482-07BB-361B872D53F1}"/>
               </a:ext>
             </a:extLst>
           </p:cNvPr>
@@ -642,7 +642,7 @@
           <p:cNvPr id="4" name="日期占位符 3">
             <a:extLst>
               <a:ext uri="{FF2B5EF4-FFF2-40B4-BE49-F238E27FC236}">
-                <a16:creationId xmlns:a16="http://schemas.microsoft.com/office/drawing/2014/main" id="{7763C5F7-2156-466C-34F0-BF4813582A75}"/>
+                <a16:creationId xmlns:a16="http://schemas.microsoft.com/office/drawing/2014/main" id="{CEC2C6DE-D279-AA74-940D-35AE7A639567}"/>
               </a:ext>
             </a:extLst>
           </p:cNvPr>
@@ -658,7 +658,7 @@
           <a:bodyPr/>
           <a:lstStyle/>
           <a:p>
-            <a:fld id="{AFEF9B38-61D2-4B28-992D-F68D5BFCE34D}" type="datetimeFigureOut">
+            <a:fld id="{1204BE87-670B-4D3D-BC9D-88D59D9D3BE2}" type="datetimeFigureOut">
               <a:rPr lang="zh-CN" altLang="en-US" smtClean="0"/>
               <a:t>2024/3/10</a:t>
             </a:fld>
@@ -671,7 +671,7 @@
           <p:cNvPr id="5" name="页脚占位符 4">
             <a:extLst>
               <a:ext uri="{FF2B5EF4-FFF2-40B4-BE49-F238E27FC236}">
-                <a16:creationId xmlns:a16="http://schemas.microsoft.com/office/drawing/2014/main" id="{22DD89DA-A1FD-6820-26AC-E8BD9AA5B39C}"/>
+                <a16:creationId xmlns:a16="http://schemas.microsoft.com/office/drawing/2014/main" id="{30B497A8-D4FB-7915-8C98-5F4C84CEC4B1}"/>
               </a:ext>
             </a:extLst>
           </p:cNvPr>
@@ -696,7 +696,7 @@
           <p:cNvPr id="6" name="灯片编号占位符 5">
             <a:extLst>
               <a:ext uri="{FF2B5EF4-FFF2-40B4-BE49-F238E27FC236}">
-                <a16:creationId xmlns:a16="http://schemas.microsoft.com/office/drawing/2014/main" id="{B6A2D9D4-D1A0-4C41-A628-86736C946C9C}"/>
+                <a16:creationId xmlns:a16="http://schemas.microsoft.com/office/drawing/2014/main" id="{CAF852B8-C326-8F52-481F-927B1546A85F}"/>
               </a:ext>
             </a:extLst>
           </p:cNvPr>
@@ -712,7 +712,7 @@
           <a:bodyPr/>
           <a:lstStyle/>
           <a:p>
-            <a:fld id="{C9F9792E-D24C-42FA-AA4B-030434AC66F9}" type="slidenum">
+            <a:fld id="{10576066-D094-4540-B1E4-29E08FFD74F1}" type="slidenum">
               <a:rPr lang="zh-CN" altLang="en-US" smtClean="0"/>
               <a:t>‹#›</a:t>
             </a:fld>
@@ -723,7 +723,7 @@
     </p:spTree>
     <p:extLst>
       <p:ext uri="{BB962C8B-B14F-4D97-AF65-F5344CB8AC3E}">
-        <p14:creationId xmlns:p14="http://schemas.microsoft.com/office/powerpoint/2010/main" val="1442634110"/>
+        <p14:creationId xmlns:p14="http://schemas.microsoft.com/office/powerpoint/2010/main" val="1561324137"/>
       </p:ext>
     </p:extLst>
   </p:cSld>
@@ -755,7 +755,7 @@
           <p:cNvPr id="2" name="标题 1">
             <a:extLst>
               <a:ext uri="{FF2B5EF4-FFF2-40B4-BE49-F238E27FC236}">
-                <a16:creationId xmlns:a16="http://schemas.microsoft.com/office/drawing/2014/main" id="{8B5AAC0C-2D60-2BFC-40F8-329B7A5C110D}"/>
+                <a16:creationId xmlns:a16="http://schemas.microsoft.com/office/drawing/2014/main" id="{9393C045-4F47-8540-4037-319A02594EB1}"/>
               </a:ext>
             </a:extLst>
           </p:cNvPr>
@@ -783,7 +783,7 @@
           <p:cNvPr id="3" name="内容占位符 2">
             <a:extLst>
               <a:ext uri="{FF2B5EF4-FFF2-40B4-BE49-F238E27FC236}">
-                <a16:creationId xmlns:a16="http://schemas.microsoft.com/office/drawing/2014/main" id="{6D2BE2DB-E734-C6DA-F2CF-6A0BE280C470}"/>
+                <a16:creationId xmlns:a16="http://schemas.microsoft.com/office/drawing/2014/main" id="{4AB049B3-0254-0500-18F6-387B351C1BAD}"/>
               </a:ext>
             </a:extLst>
           </p:cNvPr>
@@ -840,7 +840,7 @@
           <p:cNvPr id="4" name="日期占位符 3">
             <a:extLst>
               <a:ext uri="{FF2B5EF4-FFF2-40B4-BE49-F238E27FC236}">
-                <a16:creationId xmlns:a16="http://schemas.microsoft.com/office/drawing/2014/main" id="{9B4BEF31-3474-FA3D-3BC4-27B2557278E3}"/>
+                <a16:creationId xmlns:a16="http://schemas.microsoft.com/office/drawing/2014/main" id="{F11297F5-91C3-40F4-D22F-813FE8862C4B}"/>
               </a:ext>
             </a:extLst>
           </p:cNvPr>
@@ -856,7 +856,7 @@
           <a:bodyPr/>
           <a:lstStyle/>
           <a:p>
-            <a:fld id="{AFEF9B38-61D2-4B28-992D-F68D5BFCE34D}" type="datetimeFigureOut">
+            <a:fld id="{1204BE87-670B-4D3D-BC9D-88D59D9D3BE2}" type="datetimeFigureOut">
               <a:rPr lang="zh-CN" altLang="en-US" smtClean="0"/>
               <a:t>2024/3/10</a:t>
             </a:fld>
@@ -869,7 +869,7 @@
           <p:cNvPr id="5" name="页脚占位符 4">
             <a:extLst>
               <a:ext uri="{FF2B5EF4-FFF2-40B4-BE49-F238E27FC236}">
-                <a16:creationId xmlns:a16="http://schemas.microsoft.com/office/drawing/2014/main" id="{1AB245C1-35A0-6B71-7F01-F41CEE153948}"/>
+                <a16:creationId xmlns:a16="http://schemas.microsoft.com/office/drawing/2014/main" id="{1A64B1F6-8700-9F90-963A-31B789B30B4F}"/>
               </a:ext>
             </a:extLst>
           </p:cNvPr>
@@ -894,7 +894,7 @@
           <p:cNvPr id="6" name="灯片编号占位符 5">
             <a:extLst>
               <a:ext uri="{FF2B5EF4-FFF2-40B4-BE49-F238E27FC236}">
-                <a16:creationId xmlns:a16="http://schemas.microsoft.com/office/drawing/2014/main" id="{1F99E8A9-AACB-9B34-2787-F2E596046F28}"/>
+                <a16:creationId xmlns:a16="http://schemas.microsoft.com/office/drawing/2014/main" id="{232307E9-AEDF-6483-4930-4C0049896576}"/>
               </a:ext>
             </a:extLst>
           </p:cNvPr>
@@ -910,7 +910,7 @@
           <a:bodyPr/>
           <a:lstStyle/>
           <a:p>
-            <a:fld id="{C9F9792E-D24C-42FA-AA4B-030434AC66F9}" type="slidenum">
+            <a:fld id="{10576066-D094-4540-B1E4-29E08FFD74F1}" type="slidenum">
               <a:rPr lang="zh-CN" altLang="en-US" smtClean="0"/>
               <a:t>‹#›</a:t>
             </a:fld>
@@ -921,7 +921,7 @@
     </p:spTree>
     <p:extLst>
       <p:ext uri="{BB962C8B-B14F-4D97-AF65-F5344CB8AC3E}">
-        <p14:creationId xmlns:p14="http://schemas.microsoft.com/office/powerpoint/2010/main" val="2627055533"/>
+        <p14:creationId xmlns:p14="http://schemas.microsoft.com/office/powerpoint/2010/main" val="912487130"/>
       </p:ext>
     </p:extLst>
   </p:cSld>
@@ -953,7 +953,7 @@
           <p:cNvPr id="2" name="标题 1">
             <a:extLst>
               <a:ext uri="{FF2B5EF4-FFF2-40B4-BE49-F238E27FC236}">
-                <a16:creationId xmlns:a16="http://schemas.microsoft.com/office/drawing/2014/main" id="{90BC5775-5655-4FE1-A32A-D92ACEFFC1C7}"/>
+                <a16:creationId xmlns:a16="http://schemas.microsoft.com/office/drawing/2014/main" id="{7B03161C-D49A-DC2B-7CAF-FE62603B8923}"/>
               </a:ext>
             </a:extLst>
           </p:cNvPr>
@@ -990,7 +990,7 @@
           <p:cNvPr id="3" name="文本占位符 2">
             <a:extLst>
               <a:ext uri="{FF2B5EF4-FFF2-40B4-BE49-F238E27FC236}">
-                <a16:creationId xmlns:a16="http://schemas.microsoft.com/office/drawing/2014/main" id="{1FF7A1DC-D44D-A0CD-1991-BFF1DB3731CE}"/>
+                <a16:creationId xmlns:a16="http://schemas.microsoft.com/office/drawing/2014/main" id="{51441FBE-0E26-807B-1CD6-43398C88EA32}"/>
               </a:ext>
             </a:extLst>
           </p:cNvPr>
@@ -1115,7 +1115,7 @@
           <p:cNvPr id="4" name="日期占位符 3">
             <a:extLst>
               <a:ext uri="{FF2B5EF4-FFF2-40B4-BE49-F238E27FC236}">
-                <a16:creationId xmlns:a16="http://schemas.microsoft.com/office/drawing/2014/main" id="{B6CCB199-06DF-25C8-B3F7-DD3E0AE80FD9}"/>
+                <a16:creationId xmlns:a16="http://schemas.microsoft.com/office/drawing/2014/main" id="{D15B7154-9F31-DD56-45B1-F27265DA2DCD}"/>
               </a:ext>
             </a:extLst>
           </p:cNvPr>
@@ -1131,7 +1131,7 @@
           <a:bodyPr/>
           <a:lstStyle/>
           <a:p>
-            <a:fld id="{AFEF9B38-61D2-4B28-992D-F68D5BFCE34D}" type="datetimeFigureOut">
+            <a:fld id="{1204BE87-670B-4D3D-BC9D-88D59D9D3BE2}" type="datetimeFigureOut">
               <a:rPr lang="zh-CN" altLang="en-US" smtClean="0"/>
               <a:t>2024/3/10</a:t>
             </a:fld>
@@ -1144,7 +1144,7 @@
           <p:cNvPr id="5" name="页脚占位符 4">
             <a:extLst>
               <a:ext uri="{FF2B5EF4-FFF2-40B4-BE49-F238E27FC236}">
-                <a16:creationId xmlns:a16="http://schemas.microsoft.com/office/drawing/2014/main" id="{B7F9AF76-D9A2-2B05-C7CA-B1BF02D55F66}"/>
+                <a16:creationId xmlns:a16="http://schemas.microsoft.com/office/drawing/2014/main" id="{1E8D6726-2F2E-705B-32B3-D4DED7289DC1}"/>
               </a:ext>
             </a:extLst>
           </p:cNvPr>
@@ -1169,7 +1169,7 @@
           <p:cNvPr id="6" name="灯片编号占位符 5">
             <a:extLst>
               <a:ext uri="{FF2B5EF4-FFF2-40B4-BE49-F238E27FC236}">
-                <a16:creationId xmlns:a16="http://schemas.microsoft.com/office/drawing/2014/main" id="{93550671-161F-91B4-634A-69637A5D603A}"/>
+                <a16:creationId xmlns:a16="http://schemas.microsoft.com/office/drawing/2014/main" id="{6DB52C16-2957-FD37-BC90-0F4E5B77E697}"/>
               </a:ext>
             </a:extLst>
           </p:cNvPr>
@@ -1185,7 +1185,7 @@
           <a:bodyPr/>
           <a:lstStyle/>
           <a:p>
-            <a:fld id="{C9F9792E-D24C-42FA-AA4B-030434AC66F9}" type="slidenum">
+            <a:fld id="{10576066-D094-4540-B1E4-29E08FFD74F1}" type="slidenum">
               <a:rPr lang="zh-CN" altLang="en-US" smtClean="0"/>
               <a:t>‹#›</a:t>
             </a:fld>
@@ -1196,7 +1196,7 @@
     </p:spTree>
     <p:extLst>
       <p:ext uri="{BB962C8B-B14F-4D97-AF65-F5344CB8AC3E}">
-        <p14:creationId xmlns:p14="http://schemas.microsoft.com/office/powerpoint/2010/main" val="172049182"/>
+        <p14:creationId xmlns:p14="http://schemas.microsoft.com/office/powerpoint/2010/main" val="3625840785"/>
       </p:ext>
     </p:extLst>
   </p:cSld>
@@ -1228,7 +1228,7 @@
           <p:cNvPr id="2" name="标题 1">
             <a:extLst>
               <a:ext uri="{FF2B5EF4-FFF2-40B4-BE49-F238E27FC236}">
-                <a16:creationId xmlns:a16="http://schemas.microsoft.com/office/drawing/2014/main" id="{0C2E8FA2-7DF1-A5ED-7B73-158AB44826A3}"/>
+                <a16:creationId xmlns:a16="http://schemas.microsoft.com/office/drawing/2014/main" id="{8A31B054-F7AE-2BA9-CD4A-DC6CBB4A5C04}"/>
               </a:ext>
             </a:extLst>
           </p:cNvPr>
@@ -1256,7 +1256,7 @@
           <p:cNvPr id="3" name="内容占位符 2">
             <a:extLst>
               <a:ext uri="{FF2B5EF4-FFF2-40B4-BE49-F238E27FC236}">
-                <a16:creationId xmlns:a16="http://schemas.microsoft.com/office/drawing/2014/main" id="{2E1384B6-F0C8-4848-71B9-91139037F2D8}"/>
+                <a16:creationId xmlns:a16="http://schemas.microsoft.com/office/drawing/2014/main" id="{5227B2FB-70EA-B1E8-BB0E-781CC201F6A1}"/>
               </a:ext>
             </a:extLst>
           </p:cNvPr>
@@ -1318,7 +1318,7 @@
           <p:cNvPr id="4" name="内容占位符 3">
             <a:extLst>
               <a:ext uri="{FF2B5EF4-FFF2-40B4-BE49-F238E27FC236}">
-                <a16:creationId xmlns:a16="http://schemas.microsoft.com/office/drawing/2014/main" id="{41A928C0-B413-C789-BCF0-D0E54CBC9902}"/>
+                <a16:creationId xmlns:a16="http://schemas.microsoft.com/office/drawing/2014/main" id="{3A089CB3-4406-3F8F-52CF-7284C3FD5515}"/>
               </a:ext>
             </a:extLst>
           </p:cNvPr>
@@ -1380,7 +1380,7 @@
           <p:cNvPr id="5" name="日期占位符 4">
             <a:extLst>
               <a:ext uri="{FF2B5EF4-FFF2-40B4-BE49-F238E27FC236}">
-                <a16:creationId xmlns:a16="http://schemas.microsoft.com/office/drawing/2014/main" id="{0BC4B3E8-C14A-A243-BE6D-81607ECCB2D9}"/>
+                <a16:creationId xmlns:a16="http://schemas.microsoft.com/office/drawing/2014/main" id="{A126B528-6763-AE8B-81F3-BC2141D556CC}"/>
               </a:ext>
             </a:extLst>
           </p:cNvPr>
@@ -1396,7 +1396,7 @@
           <a:bodyPr/>
           <a:lstStyle/>
           <a:p>
-            <a:fld id="{AFEF9B38-61D2-4B28-992D-F68D5BFCE34D}" type="datetimeFigureOut">
+            <a:fld id="{1204BE87-670B-4D3D-BC9D-88D59D9D3BE2}" type="datetimeFigureOut">
               <a:rPr lang="zh-CN" altLang="en-US" smtClean="0"/>
               <a:t>2024/3/10</a:t>
             </a:fld>
@@ -1409,7 +1409,7 @@
           <p:cNvPr id="6" name="页脚占位符 5">
             <a:extLst>
               <a:ext uri="{FF2B5EF4-FFF2-40B4-BE49-F238E27FC236}">
-                <a16:creationId xmlns:a16="http://schemas.microsoft.com/office/drawing/2014/main" id="{ACDC33C9-1230-9BA4-88C6-566706852B1D}"/>
+                <a16:creationId xmlns:a16="http://schemas.microsoft.com/office/drawing/2014/main" id="{3C45BA9E-871C-52E7-75D9-4935B0BC2D70}"/>
               </a:ext>
             </a:extLst>
           </p:cNvPr>
@@ -1434,7 +1434,7 @@
           <p:cNvPr id="7" name="灯片编号占位符 6">
             <a:extLst>
               <a:ext uri="{FF2B5EF4-FFF2-40B4-BE49-F238E27FC236}">
-                <a16:creationId xmlns:a16="http://schemas.microsoft.com/office/drawing/2014/main" id="{F5D79E9F-C538-935A-913F-483227E74496}"/>
+                <a16:creationId xmlns:a16="http://schemas.microsoft.com/office/drawing/2014/main" id="{90F9718D-9AE4-D1D8-6AC2-EAFC606F9107}"/>
               </a:ext>
             </a:extLst>
           </p:cNvPr>
@@ -1450,7 +1450,7 @@
           <a:bodyPr/>
           <a:lstStyle/>
           <a:p>
-            <a:fld id="{C9F9792E-D24C-42FA-AA4B-030434AC66F9}" type="slidenum">
+            <a:fld id="{10576066-D094-4540-B1E4-29E08FFD74F1}" type="slidenum">
               <a:rPr lang="zh-CN" altLang="en-US" smtClean="0"/>
               <a:t>‹#›</a:t>
             </a:fld>
@@ -1461,7 +1461,7 @@
     </p:spTree>
     <p:extLst>
       <p:ext uri="{BB962C8B-B14F-4D97-AF65-F5344CB8AC3E}">
-        <p14:creationId xmlns:p14="http://schemas.microsoft.com/office/powerpoint/2010/main" val="1258624983"/>
+        <p14:creationId xmlns:p14="http://schemas.microsoft.com/office/powerpoint/2010/main" val="3076171644"/>
       </p:ext>
     </p:extLst>
   </p:cSld>
@@ -1493,7 +1493,7 @@
           <p:cNvPr id="2" name="标题 1">
             <a:extLst>
               <a:ext uri="{FF2B5EF4-FFF2-40B4-BE49-F238E27FC236}">
-                <a16:creationId xmlns:a16="http://schemas.microsoft.com/office/drawing/2014/main" id="{1969390F-BD3A-B491-72A2-E3141CBC41FA}"/>
+                <a16:creationId xmlns:a16="http://schemas.microsoft.com/office/drawing/2014/main" id="{63B8390D-C07A-4EE6-A82B-2E1195D28DD0}"/>
               </a:ext>
             </a:extLst>
           </p:cNvPr>
@@ -1526,7 +1526,7 @@
           <p:cNvPr id="3" name="文本占位符 2">
             <a:extLst>
               <a:ext uri="{FF2B5EF4-FFF2-40B4-BE49-F238E27FC236}">
-                <a16:creationId xmlns:a16="http://schemas.microsoft.com/office/drawing/2014/main" id="{00679BAF-1A9D-A737-7BB5-CAA7EA03A684}"/>
+                <a16:creationId xmlns:a16="http://schemas.microsoft.com/office/drawing/2014/main" id="{AFAD18CA-BCFF-2D99-88A5-D90ABFAA8E47}"/>
               </a:ext>
             </a:extLst>
           </p:cNvPr>
@@ -1597,7 +1597,7 @@
           <p:cNvPr id="4" name="内容占位符 3">
             <a:extLst>
               <a:ext uri="{FF2B5EF4-FFF2-40B4-BE49-F238E27FC236}">
-                <a16:creationId xmlns:a16="http://schemas.microsoft.com/office/drawing/2014/main" id="{2CB00386-8751-4851-3B5F-0D80D8F57A97}"/>
+                <a16:creationId xmlns:a16="http://schemas.microsoft.com/office/drawing/2014/main" id="{CF15E7EA-513C-69B3-0C2E-459FDF93B56A}"/>
               </a:ext>
             </a:extLst>
           </p:cNvPr>
@@ -1659,7 +1659,7 @@
           <p:cNvPr id="5" name="文本占位符 4">
             <a:extLst>
               <a:ext uri="{FF2B5EF4-FFF2-40B4-BE49-F238E27FC236}">
-                <a16:creationId xmlns:a16="http://schemas.microsoft.com/office/drawing/2014/main" id="{112D5F0A-0D22-35D4-DF15-D06A4DDB1493}"/>
+                <a16:creationId xmlns:a16="http://schemas.microsoft.com/office/drawing/2014/main" id="{052B7815-0AF8-6BAA-E734-E637E03DE476}"/>
               </a:ext>
             </a:extLst>
           </p:cNvPr>
@@ -1730,7 +1730,7 @@
           <p:cNvPr id="6" name="内容占位符 5">
             <a:extLst>
               <a:ext uri="{FF2B5EF4-FFF2-40B4-BE49-F238E27FC236}">
-                <a16:creationId xmlns:a16="http://schemas.microsoft.com/office/drawing/2014/main" id="{1D6A8996-CEF4-A87A-2514-33FC5761D452}"/>
+                <a16:creationId xmlns:a16="http://schemas.microsoft.com/office/drawing/2014/main" id="{8F8CFC30-E844-CD8A-F62D-06C37CFC38BB}"/>
               </a:ext>
             </a:extLst>
           </p:cNvPr>
@@ -1792,7 +1792,7 @@
           <p:cNvPr id="7" name="日期占位符 6">
             <a:extLst>
               <a:ext uri="{FF2B5EF4-FFF2-40B4-BE49-F238E27FC236}">
-                <a16:creationId xmlns:a16="http://schemas.microsoft.com/office/drawing/2014/main" id="{283C741C-7DCB-94FB-1AE2-9A83EAEB89FB}"/>
+                <a16:creationId xmlns:a16="http://schemas.microsoft.com/office/drawing/2014/main" id="{EA2FA70B-4F09-5706-2DA1-84BD08B1334F}"/>
               </a:ext>
             </a:extLst>
           </p:cNvPr>
@@ -1808,7 +1808,7 @@
           <a:bodyPr/>
           <a:lstStyle/>
           <a:p>
-            <a:fld id="{AFEF9B38-61D2-4B28-992D-F68D5BFCE34D}" type="datetimeFigureOut">
+            <a:fld id="{1204BE87-670B-4D3D-BC9D-88D59D9D3BE2}" type="datetimeFigureOut">
               <a:rPr lang="zh-CN" altLang="en-US" smtClean="0"/>
               <a:t>2024/3/10</a:t>
             </a:fld>
@@ -1821,7 +1821,7 @@
           <p:cNvPr id="8" name="页脚占位符 7">
             <a:extLst>
               <a:ext uri="{FF2B5EF4-FFF2-40B4-BE49-F238E27FC236}">
-                <a16:creationId xmlns:a16="http://schemas.microsoft.com/office/drawing/2014/main" id="{731D28F4-F545-A992-9A07-5219D30B4FA8}"/>
+                <a16:creationId xmlns:a16="http://schemas.microsoft.com/office/drawing/2014/main" id="{6959224C-345B-E347-3D15-EDD8C43971AC}"/>
               </a:ext>
             </a:extLst>
           </p:cNvPr>
@@ -1846,7 +1846,7 @@
           <p:cNvPr id="9" name="灯片编号占位符 8">
             <a:extLst>
               <a:ext uri="{FF2B5EF4-FFF2-40B4-BE49-F238E27FC236}">
-                <a16:creationId xmlns:a16="http://schemas.microsoft.com/office/drawing/2014/main" id="{7B6CDB9F-45EB-13E6-D889-CA5CAA269B32}"/>
+                <a16:creationId xmlns:a16="http://schemas.microsoft.com/office/drawing/2014/main" id="{145375ED-CF7A-ADB4-7848-46089CE82E5C}"/>
               </a:ext>
             </a:extLst>
           </p:cNvPr>
@@ -1862,7 +1862,7 @@
           <a:bodyPr/>
           <a:lstStyle/>
           <a:p>
-            <a:fld id="{C9F9792E-D24C-42FA-AA4B-030434AC66F9}" type="slidenum">
+            <a:fld id="{10576066-D094-4540-B1E4-29E08FFD74F1}" type="slidenum">
               <a:rPr lang="zh-CN" altLang="en-US" smtClean="0"/>
               <a:t>‹#›</a:t>
             </a:fld>
@@ -1873,7 +1873,7 @@
     </p:spTree>
     <p:extLst>
       <p:ext uri="{BB962C8B-B14F-4D97-AF65-F5344CB8AC3E}">
-        <p14:creationId xmlns:p14="http://schemas.microsoft.com/office/powerpoint/2010/main" val="1457545667"/>
+        <p14:creationId xmlns:p14="http://schemas.microsoft.com/office/powerpoint/2010/main" val="3689022096"/>
       </p:ext>
     </p:extLst>
   </p:cSld>
@@ -1905,7 +1905,7 @@
           <p:cNvPr id="2" name="标题 1">
             <a:extLst>
               <a:ext uri="{FF2B5EF4-FFF2-40B4-BE49-F238E27FC236}">
-                <a16:creationId xmlns:a16="http://schemas.microsoft.com/office/drawing/2014/main" id="{89531616-B421-CD09-1702-921CA05966C3}"/>
+                <a16:creationId xmlns:a16="http://schemas.microsoft.com/office/drawing/2014/main" id="{4855C756-2502-3FC6-CF6D-22433C9801DB}"/>
               </a:ext>
             </a:extLst>
           </p:cNvPr>
@@ -1933,7 +1933,7 @@
           <p:cNvPr id="3" name="日期占位符 2">
             <a:extLst>
               <a:ext uri="{FF2B5EF4-FFF2-40B4-BE49-F238E27FC236}">
-                <a16:creationId xmlns:a16="http://schemas.microsoft.com/office/drawing/2014/main" id="{0AC4C4FD-DF58-3B47-2ADB-B22EA6750B3E}"/>
+                <a16:creationId xmlns:a16="http://schemas.microsoft.com/office/drawing/2014/main" id="{96B2C259-092E-D4C2-3E98-41448DCD3A52}"/>
               </a:ext>
             </a:extLst>
           </p:cNvPr>
@@ -1949,7 +1949,7 @@
           <a:bodyPr/>
           <a:lstStyle/>
           <a:p>
-            <a:fld id="{AFEF9B38-61D2-4B28-992D-F68D5BFCE34D}" type="datetimeFigureOut">
+            <a:fld id="{1204BE87-670B-4D3D-BC9D-88D59D9D3BE2}" type="datetimeFigureOut">
               <a:rPr lang="zh-CN" altLang="en-US" smtClean="0"/>
               <a:t>2024/3/10</a:t>
             </a:fld>
@@ -1962,7 +1962,7 @@
           <p:cNvPr id="4" name="页脚占位符 3">
             <a:extLst>
               <a:ext uri="{FF2B5EF4-FFF2-40B4-BE49-F238E27FC236}">
-                <a16:creationId xmlns:a16="http://schemas.microsoft.com/office/drawing/2014/main" id="{D94210F3-BE02-3375-A592-58A06AB2C4C5}"/>
+                <a16:creationId xmlns:a16="http://schemas.microsoft.com/office/drawing/2014/main" id="{B38F16D1-19D2-D92A-E2B7-DDEC0D1BCC57}"/>
               </a:ext>
             </a:extLst>
           </p:cNvPr>
@@ -1987,7 +1987,7 @@
           <p:cNvPr id="5" name="灯片编号占位符 4">
             <a:extLst>
               <a:ext uri="{FF2B5EF4-FFF2-40B4-BE49-F238E27FC236}">
-                <a16:creationId xmlns:a16="http://schemas.microsoft.com/office/drawing/2014/main" id="{EBD23A8F-3DC0-75DC-BD2A-C45948C5E575}"/>
+                <a16:creationId xmlns:a16="http://schemas.microsoft.com/office/drawing/2014/main" id="{714B766B-B88B-042C-2020-7D699C2A9C13}"/>
               </a:ext>
             </a:extLst>
           </p:cNvPr>
@@ -2003,7 +2003,7 @@
           <a:bodyPr/>
           <a:lstStyle/>
           <a:p>
-            <a:fld id="{C9F9792E-D24C-42FA-AA4B-030434AC66F9}" type="slidenum">
+            <a:fld id="{10576066-D094-4540-B1E4-29E08FFD74F1}" type="slidenum">
               <a:rPr lang="zh-CN" altLang="en-US" smtClean="0"/>
               <a:t>‹#›</a:t>
             </a:fld>
@@ -2014,7 +2014,7 @@
     </p:spTree>
     <p:extLst>
       <p:ext uri="{BB962C8B-B14F-4D97-AF65-F5344CB8AC3E}">
-        <p14:creationId xmlns:p14="http://schemas.microsoft.com/office/powerpoint/2010/main" val="380711977"/>
+        <p14:creationId xmlns:p14="http://schemas.microsoft.com/office/powerpoint/2010/main" val="1236765753"/>
       </p:ext>
     </p:extLst>
   </p:cSld>
@@ -2046,7 +2046,7 @@
           <p:cNvPr id="2" name="日期占位符 1">
             <a:extLst>
               <a:ext uri="{FF2B5EF4-FFF2-40B4-BE49-F238E27FC236}">
-                <a16:creationId xmlns:a16="http://schemas.microsoft.com/office/drawing/2014/main" id="{D4C26713-429E-B61B-83E4-1443E7615A6A}"/>
+                <a16:creationId xmlns:a16="http://schemas.microsoft.com/office/drawing/2014/main" id="{0568B41F-85A4-F121-E25F-9974B813BEE7}"/>
               </a:ext>
             </a:extLst>
           </p:cNvPr>
@@ -2062,7 +2062,7 @@
           <a:bodyPr/>
           <a:lstStyle/>
           <a:p>
-            <a:fld id="{AFEF9B38-61D2-4B28-992D-F68D5BFCE34D}" type="datetimeFigureOut">
+            <a:fld id="{1204BE87-670B-4D3D-BC9D-88D59D9D3BE2}" type="datetimeFigureOut">
               <a:rPr lang="zh-CN" altLang="en-US" smtClean="0"/>
               <a:t>2024/3/10</a:t>
             </a:fld>
@@ -2075,7 +2075,7 @@
           <p:cNvPr id="3" name="页脚占位符 2">
             <a:extLst>
               <a:ext uri="{FF2B5EF4-FFF2-40B4-BE49-F238E27FC236}">
-                <a16:creationId xmlns:a16="http://schemas.microsoft.com/office/drawing/2014/main" id="{5308D285-F3AD-E858-FDCB-F7AA5A1B7BEF}"/>
+                <a16:creationId xmlns:a16="http://schemas.microsoft.com/office/drawing/2014/main" id="{ACAAA49E-5EB7-420E-27D2-E0B06760752A}"/>
               </a:ext>
             </a:extLst>
           </p:cNvPr>
@@ -2100,7 +2100,7 @@
           <p:cNvPr id="4" name="灯片编号占位符 3">
             <a:extLst>
               <a:ext uri="{FF2B5EF4-FFF2-40B4-BE49-F238E27FC236}">
-                <a16:creationId xmlns:a16="http://schemas.microsoft.com/office/drawing/2014/main" id="{354E8C87-43D3-31EB-82F8-53A9BCA75AF8}"/>
+                <a16:creationId xmlns:a16="http://schemas.microsoft.com/office/drawing/2014/main" id="{574EBDEC-30BF-1EDD-397C-04CB53380E0A}"/>
               </a:ext>
             </a:extLst>
           </p:cNvPr>
@@ -2116,7 +2116,7 @@
           <a:bodyPr/>
           <a:lstStyle/>
           <a:p>
-            <a:fld id="{C9F9792E-D24C-42FA-AA4B-030434AC66F9}" type="slidenum">
+            <a:fld id="{10576066-D094-4540-B1E4-29E08FFD74F1}" type="slidenum">
               <a:rPr lang="zh-CN" altLang="en-US" smtClean="0"/>
               <a:t>‹#›</a:t>
             </a:fld>
@@ -2127,7 +2127,7 @@
     </p:spTree>
     <p:extLst>
       <p:ext uri="{BB962C8B-B14F-4D97-AF65-F5344CB8AC3E}">
-        <p14:creationId xmlns:p14="http://schemas.microsoft.com/office/powerpoint/2010/main" val="3920785515"/>
+        <p14:creationId xmlns:p14="http://schemas.microsoft.com/office/powerpoint/2010/main" val="2876129292"/>
       </p:ext>
     </p:extLst>
   </p:cSld>
@@ -2159,7 +2159,7 @@
           <p:cNvPr id="2" name="标题 1">
             <a:extLst>
               <a:ext uri="{FF2B5EF4-FFF2-40B4-BE49-F238E27FC236}">
-                <a16:creationId xmlns:a16="http://schemas.microsoft.com/office/drawing/2014/main" id="{5B8E70FE-854C-7BBC-6D8A-FDB99F5E871A}"/>
+                <a16:creationId xmlns:a16="http://schemas.microsoft.com/office/drawing/2014/main" id="{9D51ECD5-E6E7-9E8F-5AF7-692EC0256F0A}"/>
               </a:ext>
             </a:extLst>
           </p:cNvPr>
@@ -2196,7 +2196,7 @@
           <p:cNvPr id="3" name="内容占位符 2">
             <a:extLst>
               <a:ext uri="{FF2B5EF4-FFF2-40B4-BE49-F238E27FC236}">
-                <a16:creationId xmlns:a16="http://schemas.microsoft.com/office/drawing/2014/main" id="{A376076E-26D7-60A8-9504-6B497D748CC1}"/>
+                <a16:creationId xmlns:a16="http://schemas.microsoft.com/office/drawing/2014/main" id="{854DDB44-D7B1-4F9E-ADE4-7BD9A78930CE}"/>
               </a:ext>
             </a:extLst>
           </p:cNvPr>
@@ -2286,7 +2286,7 @@
           <p:cNvPr id="4" name="文本占位符 3">
             <a:extLst>
               <a:ext uri="{FF2B5EF4-FFF2-40B4-BE49-F238E27FC236}">
-                <a16:creationId xmlns:a16="http://schemas.microsoft.com/office/drawing/2014/main" id="{9777C29E-6D93-E6E8-1F35-3947CEE3A4CE}"/>
+                <a16:creationId xmlns:a16="http://schemas.microsoft.com/office/drawing/2014/main" id="{0027EAAB-8602-FD2B-051C-F168AE515A6E}"/>
               </a:ext>
             </a:extLst>
           </p:cNvPr>
@@ -2357,7 +2357,7 @@
           <p:cNvPr id="5" name="日期占位符 4">
             <a:extLst>
               <a:ext uri="{FF2B5EF4-FFF2-40B4-BE49-F238E27FC236}">
-                <a16:creationId xmlns:a16="http://schemas.microsoft.com/office/drawing/2014/main" id="{421C9FED-0220-2C9E-AB61-5BA45C727C19}"/>
+                <a16:creationId xmlns:a16="http://schemas.microsoft.com/office/drawing/2014/main" id="{F303D7FF-ACEF-2D81-F321-C5A96F8265BD}"/>
               </a:ext>
             </a:extLst>
           </p:cNvPr>
@@ -2373,7 +2373,7 @@
           <a:bodyPr/>
           <a:lstStyle/>
           <a:p>
-            <a:fld id="{AFEF9B38-61D2-4B28-992D-F68D5BFCE34D}" type="datetimeFigureOut">
+            <a:fld id="{1204BE87-670B-4D3D-BC9D-88D59D9D3BE2}" type="datetimeFigureOut">
               <a:rPr lang="zh-CN" altLang="en-US" smtClean="0"/>
               <a:t>2024/3/10</a:t>
             </a:fld>
@@ -2386,7 +2386,7 @@
           <p:cNvPr id="6" name="页脚占位符 5">
             <a:extLst>
               <a:ext uri="{FF2B5EF4-FFF2-40B4-BE49-F238E27FC236}">
-                <a16:creationId xmlns:a16="http://schemas.microsoft.com/office/drawing/2014/main" id="{545D7148-F3E9-791C-6589-A93A3638D770}"/>
+                <a16:creationId xmlns:a16="http://schemas.microsoft.com/office/drawing/2014/main" id="{2513F6B0-FE63-C894-8404-5898FCB2D247}"/>
               </a:ext>
             </a:extLst>
           </p:cNvPr>
@@ -2411,7 +2411,7 @@
           <p:cNvPr id="7" name="灯片编号占位符 6">
             <a:extLst>
               <a:ext uri="{FF2B5EF4-FFF2-40B4-BE49-F238E27FC236}">
-                <a16:creationId xmlns:a16="http://schemas.microsoft.com/office/drawing/2014/main" id="{8743E0FB-4E14-69E9-4166-DE5B79BFD9E7}"/>
+                <a16:creationId xmlns:a16="http://schemas.microsoft.com/office/drawing/2014/main" id="{5B5A2180-5DD3-0BC2-B998-C11F641CD720}"/>
               </a:ext>
             </a:extLst>
           </p:cNvPr>
@@ -2427,7 +2427,7 @@
           <a:bodyPr/>
           <a:lstStyle/>
           <a:p>
-            <a:fld id="{C9F9792E-D24C-42FA-AA4B-030434AC66F9}" type="slidenum">
+            <a:fld id="{10576066-D094-4540-B1E4-29E08FFD74F1}" type="slidenum">
               <a:rPr lang="zh-CN" altLang="en-US" smtClean="0"/>
               <a:t>‹#›</a:t>
             </a:fld>
@@ -2438,7 +2438,7 @@
     </p:spTree>
     <p:extLst>
       <p:ext uri="{BB962C8B-B14F-4D97-AF65-F5344CB8AC3E}">
-        <p14:creationId xmlns:p14="http://schemas.microsoft.com/office/powerpoint/2010/main" val="2421102375"/>
+        <p14:creationId xmlns:p14="http://schemas.microsoft.com/office/powerpoint/2010/main" val="1983278674"/>
       </p:ext>
     </p:extLst>
   </p:cSld>
@@ -2470,7 +2470,7 @@
           <p:cNvPr id="2" name="标题 1">
             <a:extLst>
               <a:ext uri="{FF2B5EF4-FFF2-40B4-BE49-F238E27FC236}">
-                <a16:creationId xmlns:a16="http://schemas.microsoft.com/office/drawing/2014/main" id="{7093B77A-F3FC-0787-29AD-A7E0DCF25983}"/>
+                <a16:creationId xmlns:a16="http://schemas.microsoft.com/office/drawing/2014/main" id="{B1B6C4BF-02CC-2DF4-3DC5-481EDB93446B}"/>
               </a:ext>
             </a:extLst>
           </p:cNvPr>
@@ -2507,7 +2507,7 @@
           <p:cNvPr id="3" name="图片占位符 2">
             <a:extLst>
               <a:ext uri="{FF2B5EF4-FFF2-40B4-BE49-F238E27FC236}">
-                <a16:creationId xmlns:a16="http://schemas.microsoft.com/office/drawing/2014/main" id="{2C2983AC-0985-838D-7F57-2778827E90A1}"/>
+                <a16:creationId xmlns:a16="http://schemas.microsoft.com/office/drawing/2014/main" id="{7FEFEC31-35F3-CFF8-78DD-7615DA7221CF}"/>
               </a:ext>
             </a:extLst>
           </p:cNvPr>
@@ -2574,7 +2574,7 @@
           <p:cNvPr id="4" name="文本占位符 3">
             <a:extLst>
               <a:ext uri="{FF2B5EF4-FFF2-40B4-BE49-F238E27FC236}">
-                <a16:creationId xmlns:a16="http://schemas.microsoft.com/office/drawing/2014/main" id="{8FB3D5ED-D556-8C09-8498-2E57461CA48A}"/>
+                <a16:creationId xmlns:a16="http://schemas.microsoft.com/office/drawing/2014/main" id="{D605F05A-EBC1-398E-CB4C-F98775CC85FE}"/>
               </a:ext>
             </a:extLst>
           </p:cNvPr>
@@ -2645,7 +2645,7 @@
           <p:cNvPr id="5" name="日期占位符 4">
             <a:extLst>
               <a:ext uri="{FF2B5EF4-FFF2-40B4-BE49-F238E27FC236}">
-                <a16:creationId xmlns:a16="http://schemas.microsoft.com/office/drawing/2014/main" id="{F2C55A3C-0932-7794-B080-D1C7C1459425}"/>
+                <a16:creationId xmlns:a16="http://schemas.microsoft.com/office/drawing/2014/main" id="{578C398B-D601-A763-CD7D-0FA35951CCB3}"/>
               </a:ext>
             </a:extLst>
           </p:cNvPr>
@@ -2661,7 +2661,7 @@
           <a:bodyPr/>
           <a:lstStyle/>
           <a:p>
-            <a:fld id="{AFEF9B38-61D2-4B28-992D-F68D5BFCE34D}" type="datetimeFigureOut">
+            <a:fld id="{1204BE87-670B-4D3D-BC9D-88D59D9D3BE2}" type="datetimeFigureOut">
               <a:rPr lang="zh-CN" altLang="en-US" smtClean="0"/>
               <a:t>2024/3/10</a:t>
             </a:fld>
@@ -2674,7 +2674,7 @@
           <p:cNvPr id="6" name="页脚占位符 5">
             <a:extLst>
               <a:ext uri="{FF2B5EF4-FFF2-40B4-BE49-F238E27FC236}">
-                <a16:creationId xmlns:a16="http://schemas.microsoft.com/office/drawing/2014/main" id="{2C0DA1D2-4A8B-F10A-6D4C-BFFCA18356D5}"/>
+                <a16:creationId xmlns:a16="http://schemas.microsoft.com/office/drawing/2014/main" id="{11C254F3-A0C0-E7B4-6498-95989AC1BEC1}"/>
               </a:ext>
             </a:extLst>
           </p:cNvPr>
@@ -2699,7 +2699,7 @@
           <p:cNvPr id="7" name="灯片编号占位符 6">
             <a:extLst>
               <a:ext uri="{FF2B5EF4-FFF2-40B4-BE49-F238E27FC236}">
-                <a16:creationId xmlns:a16="http://schemas.microsoft.com/office/drawing/2014/main" id="{FDD3C5DE-5491-0241-6ADB-66352DD27C47}"/>
+                <a16:creationId xmlns:a16="http://schemas.microsoft.com/office/drawing/2014/main" id="{1FF5CAD3-1D2F-73A7-6D38-B6D45FEB2170}"/>
               </a:ext>
             </a:extLst>
           </p:cNvPr>
@@ -2715,7 +2715,7 @@
           <a:bodyPr/>
           <a:lstStyle/>
           <a:p>
-            <a:fld id="{C9F9792E-D24C-42FA-AA4B-030434AC66F9}" type="slidenum">
+            <a:fld id="{10576066-D094-4540-B1E4-29E08FFD74F1}" type="slidenum">
               <a:rPr lang="zh-CN" altLang="en-US" smtClean="0"/>
               <a:t>‹#›</a:t>
             </a:fld>
@@ -2726,7 +2726,7 @@
     </p:spTree>
     <p:extLst>
       <p:ext uri="{BB962C8B-B14F-4D97-AF65-F5344CB8AC3E}">
-        <p14:creationId xmlns:p14="http://schemas.microsoft.com/office/powerpoint/2010/main" val="3390850823"/>
+        <p14:creationId xmlns:p14="http://schemas.microsoft.com/office/powerpoint/2010/main" val="1258202193"/>
       </p:ext>
     </p:extLst>
   </p:cSld>
@@ -2763,7 +2763,7 @@
           <p:cNvPr id="2" name="标题占位符 1">
             <a:extLst>
               <a:ext uri="{FF2B5EF4-FFF2-40B4-BE49-F238E27FC236}">
-                <a16:creationId xmlns:a16="http://schemas.microsoft.com/office/drawing/2014/main" id="{8E0911A8-7F07-9C76-59FB-AA33F91FD1DB}"/>
+                <a16:creationId xmlns:a16="http://schemas.microsoft.com/office/drawing/2014/main" id="{654D0DE5-D845-4F97-4958-9EBA6F8B7164}"/>
               </a:ext>
             </a:extLst>
           </p:cNvPr>
@@ -2801,7 +2801,7 @@
           <p:cNvPr id="3" name="文本占位符 2">
             <a:extLst>
               <a:ext uri="{FF2B5EF4-FFF2-40B4-BE49-F238E27FC236}">
-                <a16:creationId xmlns:a16="http://schemas.microsoft.com/office/drawing/2014/main" id="{351E84F6-B6C8-ED33-AB6F-A3D74AE3FFEE}"/>
+                <a16:creationId xmlns:a16="http://schemas.microsoft.com/office/drawing/2014/main" id="{276F493F-FBEF-19A7-B2A9-C936AF8621BA}"/>
               </a:ext>
             </a:extLst>
           </p:cNvPr>
@@ -2868,7 +2868,7 @@
           <p:cNvPr id="4" name="日期占位符 3">
             <a:extLst>
               <a:ext uri="{FF2B5EF4-FFF2-40B4-BE49-F238E27FC236}">
-                <a16:creationId xmlns:a16="http://schemas.microsoft.com/office/drawing/2014/main" id="{C35BDA52-5832-A332-C8A9-DA34A9371C47}"/>
+                <a16:creationId xmlns:a16="http://schemas.microsoft.com/office/drawing/2014/main" id="{CF3CE893-09C7-092D-AF55-8FBA11ED6A01}"/>
               </a:ext>
             </a:extLst>
           </p:cNvPr>
@@ -2902,7 +2902,7 @@
             </a:lvl1pPr>
           </a:lstStyle>
           <a:p>
-            <a:fld id="{AFEF9B38-61D2-4B28-992D-F68D5BFCE34D}" type="datetimeFigureOut">
+            <a:fld id="{1204BE87-670B-4D3D-BC9D-88D59D9D3BE2}" type="datetimeFigureOut">
               <a:rPr lang="zh-CN" altLang="en-US" smtClean="0"/>
               <a:t>2024/3/10</a:t>
             </a:fld>
@@ -2915,7 +2915,7 @@
           <p:cNvPr id="5" name="页脚占位符 4">
             <a:extLst>
               <a:ext uri="{FF2B5EF4-FFF2-40B4-BE49-F238E27FC236}">
-                <a16:creationId xmlns:a16="http://schemas.microsoft.com/office/drawing/2014/main" id="{5C37799F-C178-4808-AD34-303E07E345CE}"/>
+                <a16:creationId xmlns:a16="http://schemas.microsoft.com/office/drawing/2014/main" id="{EF0C0A76-4B7B-2A92-D0F2-3055954934F7}"/>
               </a:ext>
             </a:extLst>
           </p:cNvPr>
@@ -2958,7 +2958,7 @@
           <p:cNvPr id="6" name="灯片编号占位符 5">
             <a:extLst>
               <a:ext uri="{FF2B5EF4-FFF2-40B4-BE49-F238E27FC236}">
-                <a16:creationId xmlns:a16="http://schemas.microsoft.com/office/drawing/2014/main" id="{B55DC44F-022D-E624-9C14-E683D28FAC82}"/>
+                <a16:creationId xmlns:a16="http://schemas.microsoft.com/office/drawing/2014/main" id="{3F41E18C-235B-EFC9-B16E-6AC3EB355F86}"/>
               </a:ext>
             </a:extLst>
           </p:cNvPr>
@@ -2992,7 +2992,7 @@
             </a:lvl1pPr>
           </a:lstStyle>
           <a:p>
-            <a:fld id="{C9F9792E-D24C-42FA-AA4B-030434AC66F9}" type="slidenum">
+            <a:fld id="{10576066-D094-4540-B1E4-29E08FFD74F1}" type="slidenum">
               <a:rPr lang="zh-CN" altLang="en-US" smtClean="0"/>
               <a:t>‹#›</a:t>
             </a:fld>
@@ -3003,7 +3003,7 @@
     </p:spTree>
     <p:extLst>
       <p:ext uri="{BB962C8B-B14F-4D97-AF65-F5344CB8AC3E}">
-        <p14:creationId xmlns:p14="http://schemas.microsoft.com/office/powerpoint/2010/main" val="2525664132"/>
+        <p14:creationId xmlns:p14="http://schemas.microsoft.com/office/powerpoint/2010/main" val="2340786620"/>
       </p:ext>
     </p:extLst>
   </p:cSld>
